--- a/alex/UD2/UD2.4 Fundamentos de Kotlin.pptx
+++ b/alex/UD2/UD2.4 Fundamentos de Kotlin.pptx
@@ -227,7 +227,7 @@
           <a:p>
             <a:fld id="{82E89499-4C5B-4DDE-969A-9333FF39DBC5}" type="datetimeFigureOut">
               <a:rPr lang="es-ES" smtClean="0"/>
-              <a:t>13/08/2023</a:t>
+              <a:t>17/09/2023</a:t>
             </a:fld>
             <a:endParaRPr lang="es-ES"/>
           </a:p>
@@ -740,7 +740,7 @@
             <a:fld id="{B61BEF0D-F0BB-DE4B-95CE-6DB70DBA9567}" type="datetimeFigureOut">
               <a:rPr lang="en-US" dirty="0"/>
               <a:pPr/>
-              <a:t>8/13/2023</a:t>
+              <a:t>9/17/2023</a:t>
             </a:fld>
             <a:endParaRPr lang="en-US" dirty="0"/>
           </a:p>
@@ -999,7 +999,7 @@
             <a:fld id="{B61BEF0D-F0BB-DE4B-95CE-6DB70DBA9567}" type="datetimeFigureOut">
               <a:rPr lang="en-US" dirty="0"/>
               <a:pPr/>
-              <a:t>8/13/2023</a:t>
+              <a:t>9/17/2023</a:t>
             </a:fld>
             <a:endParaRPr lang="en-US" dirty="0"/>
           </a:p>
@@ -1231,7 +1231,7 @@
             <a:fld id="{B61BEF0D-F0BB-DE4B-95CE-6DB70DBA9567}" type="datetimeFigureOut">
               <a:rPr lang="en-US" dirty="0"/>
               <a:pPr/>
-              <a:t>8/13/2023</a:t>
+              <a:t>9/17/2023</a:t>
             </a:fld>
             <a:endParaRPr lang="en-US" dirty="0"/>
           </a:p>
@@ -1468,7 +1468,7 @@
             <a:fld id="{B61BEF0D-F0BB-DE4B-95CE-6DB70DBA9567}" type="datetimeFigureOut">
               <a:rPr lang="en-US" dirty="0"/>
               <a:pPr/>
-              <a:t>8/13/2023</a:t>
+              <a:t>9/17/2023</a:t>
             </a:fld>
             <a:endParaRPr lang="en-US" dirty="0"/>
           </a:p>
@@ -1772,7 +1772,7 @@
             <a:fld id="{B61BEF0D-F0BB-DE4B-95CE-6DB70DBA9567}" type="datetimeFigureOut">
               <a:rPr lang="en-US" dirty="0"/>
               <a:pPr/>
-              <a:t>8/13/2023</a:t>
+              <a:t>9/17/2023</a:t>
             </a:fld>
             <a:endParaRPr lang="en-US" dirty="0"/>
           </a:p>
@@ -2071,7 +2071,7 @@
             <a:fld id="{B61BEF0D-F0BB-DE4B-95CE-6DB70DBA9567}" type="datetimeFigureOut">
               <a:rPr lang="en-US" dirty="0"/>
               <a:pPr/>
-              <a:t>8/13/2023</a:t>
+              <a:t>9/17/2023</a:t>
             </a:fld>
             <a:endParaRPr lang="en-US" dirty="0"/>
           </a:p>
@@ -2490,7 +2490,7 @@
             <a:fld id="{B61BEF0D-F0BB-DE4B-95CE-6DB70DBA9567}" type="datetimeFigureOut">
               <a:rPr lang="en-US" dirty="0"/>
               <a:pPr/>
-              <a:t>8/13/2023</a:t>
+              <a:t>9/17/2023</a:t>
             </a:fld>
             <a:endParaRPr lang="en-US" dirty="0"/>
           </a:p>
@@ -2582,7 +2582,7 @@
             <a:fld id="{B61BEF0D-F0BB-DE4B-95CE-6DB70DBA9567}" type="datetimeFigureOut">
               <a:rPr lang="en-US" dirty="0"/>
               <a:pPr/>
-              <a:t>8/13/2023</a:t>
+              <a:t>9/17/2023</a:t>
             </a:fld>
             <a:endParaRPr lang="en-US" dirty="0"/>
           </a:p>
@@ -2741,7 +2741,7 @@
             <a:fld id="{B61BEF0D-F0BB-DE4B-95CE-6DB70DBA9567}" type="datetimeFigureOut">
               <a:rPr lang="en-US" dirty="0"/>
               <a:pPr/>
-              <a:t>8/13/2023</a:t>
+              <a:t>9/17/2023</a:t>
             </a:fld>
             <a:endParaRPr lang="en-US" dirty="0"/>
           </a:p>
@@ -3116,7 +3116,7 @@
             <a:fld id="{B61BEF0D-F0BB-DE4B-95CE-6DB70DBA9567}" type="datetimeFigureOut">
               <a:rPr lang="en-US" dirty="0"/>
               <a:pPr/>
-              <a:t>8/13/2023</a:t>
+              <a:t>9/17/2023</a:t>
             </a:fld>
             <a:endParaRPr lang="en-US" dirty="0"/>
           </a:p>
@@ -3402,7 +3402,7 @@
             <a:fld id="{B61BEF0D-F0BB-DE4B-95CE-6DB70DBA9567}" type="datetimeFigureOut">
               <a:rPr lang="en-US" dirty="0"/>
               <a:pPr/>
-              <a:t>8/13/2023</a:t>
+              <a:t>9/17/2023</a:t>
             </a:fld>
             <a:endParaRPr lang="en-US" dirty="0"/>
           </a:p>
@@ -3610,7 +3610,7 @@
             <a:fld id="{B61BEF0D-F0BB-DE4B-95CE-6DB70DBA9567}" type="datetimeFigureOut">
               <a:rPr lang="en-US" dirty="0"/>
               <a:pPr/>
-              <a:t>8/13/2023</a:t>
+              <a:t>9/17/2023</a:t>
             </a:fld>
             <a:endParaRPr lang="en-US" dirty="0"/>
           </a:p>
